--- a/doc/resume.pptx
+++ b/doc/resume.pptx
@@ -115,7 +115,7 @@
             <a:srgbClr val="A4A3A4"/>
           </p15:clr>
         </p15:guide>
-        <p15:guide id="2" pos="935" userDrawn="1">
+        <p15:guide id="2" pos="187" userDrawn="1">
           <p15:clr>
             <a:srgbClr val="A4A3A4"/>
           </p15:clr>
@@ -208,7 +208,7 @@
           <a:p>
             <a:fld id="{AEA2C9DF-D23B-4857-8F83-A94459C69053}" type="datetimeFigureOut">
               <a:rPr lang="zh-CN" altLang="en-US" smtClean="0"/>
-              <a:t>2017/4/2</a:t>
+              <a:t>2017/4/4</a:t>
             </a:fld>
             <a:endParaRPr lang="zh-CN" altLang="en-US"/>
           </a:p>
@@ -691,7 +691,7 @@
           <a:p>
             <a:fld id="{6A4926B6-441D-4BA1-AD68-6F10F35F7AC9}" type="datetimeFigureOut">
               <a:rPr lang="zh-CN" altLang="en-US" smtClean="0"/>
-              <a:t>2017/4/2</a:t>
+              <a:t>2017/4/4</a:t>
             </a:fld>
             <a:endParaRPr lang="zh-CN" altLang="en-US"/>
           </a:p>
@@ -861,7 +861,7 @@
           <a:p>
             <a:fld id="{6A4926B6-441D-4BA1-AD68-6F10F35F7AC9}" type="datetimeFigureOut">
               <a:rPr lang="zh-CN" altLang="en-US" smtClean="0"/>
-              <a:t>2017/4/2</a:t>
+              <a:t>2017/4/4</a:t>
             </a:fld>
             <a:endParaRPr lang="zh-CN" altLang="en-US"/>
           </a:p>
@@ -1041,7 +1041,7 @@
           <a:p>
             <a:fld id="{6A4926B6-441D-4BA1-AD68-6F10F35F7AC9}" type="datetimeFigureOut">
               <a:rPr lang="zh-CN" altLang="en-US" smtClean="0"/>
-              <a:t>2017/4/2</a:t>
+              <a:t>2017/4/4</a:t>
             </a:fld>
             <a:endParaRPr lang="zh-CN" altLang="en-US"/>
           </a:p>
@@ -1211,7 +1211,7 @@
           <a:p>
             <a:fld id="{6A4926B6-441D-4BA1-AD68-6F10F35F7AC9}" type="datetimeFigureOut">
               <a:rPr lang="zh-CN" altLang="en-US" smtClean="0"/>
-              <a:t>2017/4/2</a:t>
+              <a:t>2017/4/4</a:t>
             </a:fld>
             <a:endParaRPr lang="zh-CN" altLang="en-US"/>
           </a:p>
@@ -1455,7 +1455,7 @@
           <a:p>
             <a:fld id="{6A4926B6-441D-4BA1-AD68-6F10F35F7AC9}" type="datetimeFigureOut">
               <a:rPr lang="zh-CN" altLang="en-US" smtClean="0"/>
-              <a:t>2017/4/2</a:t>
+              <a:t>2017/4/4</a:t>
             </a:fld>
             <a:endParaRPr lang="zh-CN" altLang="en-US"/>
           </a:p>
@@ -1687,7 +1687,7 @@
           <a:p>
             <a:fld id="{6A4926B6-441D-4BA1-AD68-6F10F35F7AC9}" type="datetimeFigureOut">
               <a:rPr lang="zh-CN" altLang="en-US" smtClean="0"/>
-              <a:t>2017/4/2</a:t>
+              <a:t>2017/4/4</a:t>
             </a:fld>
             <a:endParaRPr lang="zh-CN" altLang="en-US"/>
           </a:p>
@@ -2054,7 +2054,7 @@
           <a:p>
             <a:fld id="{6A4926B6-441D-4BA1-AD68-6F10F35F7AC9}" type="datetimeFigureOut">
               <a:rPr lang="zh-CN" altLang="en-US" smtClean="0"/>
-              <a:t>2017/4/2</a:t>
+              <a:t>2017/4/4</a:t>
             </a:fld>
             <a:endParaRPr lang="zh-CN" altLang="en-US"/>
           </a:p>
@@ -2172,7 +2172,7 @@
           <a:p>
             <a:fld id="{6A4926B6-441D-4BA1-AD68-6F10F35F7AC9}" type="datetimeFigureOut">
               <a:rPr lang="zh-CN" altLang="en-US" smtClean="0"/>
-              <a:t>2017/4/2</a:t>
+              <a:t>2017/4/4</a:t>
             </a:fld>
             <a:endParaRPr lang="zh-CN" altLang="en-US"/>
           </a:p>
@@ -2267,7 +2267,7 @@
           <a:p>
             <a:fld id="{6A4926B6-441D-4BA1-AD68-6F10F35F7AC9}" type="datetimeFigureOut">
               <a:rPr lang="zh-CN" altLang="en-US" smtClean="0"/>
-              <a:t>2017/4/2</a:t>
+              <a:t>2017/4/4</a:t>
             </a:fld>
             <a:endParaRPr lang="zh-CN" altLang="en-US"/>
           </a:p>
@@ -2551,7 +2551,7 @@
           <a:p>
             <a:fld id="{6A4926B6-441D-4BA1-AD68-6F10F35F7AC9}" type="datetimeFigureOut">
               <a:rPr lang="zh-CN" altLang="en-US" smtClean="0"/>
-              <a:t>2017/4/2</a:t>
+              <a:t>2017/4/4</a:t>
             </a:fld>
             <a:endParaRPr lang="zh-CN" altLang="en-US"/>
           </a:p>
@@ -2808,7 +2808,7 @@
           <a:p>
             <a:fld id="{6A4926B6-441D-4BA1-AD68-6F10F35F7AC9}" type="datetimeFigureOut">
               <a:rPr lang="zh-CN" altLang="en-US" smtClean="0"/>
-              <a:t>2017/4/2</a:t>
+              <a:t>2017/4/4</a:t>
             </a:fld>
             <a:endParaRPr lang="zh-CN" altLang="en-US"/>
           </a:p>
@@ -3021,7 +3021,7 @@
           <a:p>
             <a:fld id="{6A4926B6-441D-4BA1-AD68-6F10F35F7AC9}" type="datetimeFigureOut">
               <a:rPr lang="zh-CN" altLang="en-US" smtClean="0"/>
-              <a:t>2017/4/2</a:t>
+              <a:t>2017/4/4</a:t>
             </a:fld>
             <a:endParaRPr lang="zh-CN" altLang="en-US"/>
           </a:p>
@@ -3434,7 +3434,7 @@
         </p:nvSpPr>
         <p:spPr>
           <a:xfrm>
-            <a:off x="1124937" y="1866115"/>
+            <a:off x="1084931" y="1866115"/>
             <a:ext cx="1625163" cy="1054135"/>
           </a:xfrm>
           <a:prstGeom prst="rect">
@@ -3598,7 +3598,7 @@
         </p:nvSpPr>
         <p:spPr>
           <a:xfrm>
-            <a:off x="261571" y="499237"/>
+            <a:off x="221565" y="499237"/>
             <a:ext cx="954108" cy="400110"/>
           </a:xfrm>
           <a:prstGeom prst="rect">
@@ -3641,7 +3641,7 @@
         </p:nvSpPr>
         <p:spPr>
           <a:xfrm>
-            <a:off x="3586796" y="1669839"/>
+            <a:off x="3556316" y="1669839"/>
             <a:ext cx="2997159" cy="4331955"/>
           </a:xfrm>
           <a:prstGeom prst="rect">
@@ -4615,7 +4615,7 @@
         </p:nvSpPr>
         <p:spPr>
           <a:xfrm>
-            <a:off x="3586796" y="6520124"/>
+            <a:off x="3556316" y="6529649"/>
             <a:ext cx="3136989" cy="1246495"/>
           </a:xfrm>
           <a:prstGeom prst="rect">
@@ -4925,7 +4925,7 @@
         </p:nvSpPr>
         <p:spPr>
           <a:xfrm>
-            <a:off x="3586796" y="8297086"/>
+            <a:off x="3556316" y="8306611"/>
             <a:ext cx="2997159" cy="1054135"/>
           </a:xfrm>
           <a:prstGeom prst="rect">
@@ -5150,15 +5150,15 @@
         </p:nvSpPr>
         <p:spPr>
           <a:xfrm>
-            <a:off x="3556316" y="264670"/>
-            <a:ext cx="3429000" cy="913070"/>
+            <a:off x="3551236" y="264670"/>
+            <a:ext cx="3027639" cy="913070"/>
           </a:xfrm>
           <a:prstGeom prst="rect">
             <a:avLst/>
           </a:prstGeom>
         </p:spPr>
         <p:txBody>
-          <a:bodyPr>
+          <a:bodyPr wrap="square">
             <a:spAutoFit/>
           </a:bodyPr>
           <a:lstStyle/>
@@ -5343,7 +5343,7 @@
         </p:nvSpPr>
         <p:spPr>
           <a:xfrm>
-            <a:off x="239346" y="1402463"/>
+            <a:off x="208866" y="1402463"/>
             <a:ext cx="800219" cy="276999"/>
           </a:xfrm>
           <a:prstGeom prst="rect">
@@ -5379,7 +5379,7 @@
         </p:nvCxnSpPr>
         <p:spPr>
           <a:xfrm>
-            <a:off x="320314" y="1666209"/>
+            <a:off x="289834" y="1673324"/>
             <a:ext cx="2941591" cy="0"/>
           </a:xfrm>
           <a:prstGeom prst="line">
@@ -5414,7 +5414,7 @@
         </p:nvSpPr>
         <p:spPr>
           <a:xfrm>
-            <a:off x="248871" y="3137207"/>
+            <a:off x="208865" y="3124507"/>
             <a:ext cx="800219" cy="276999"/>
           </a:xfrm>
           <a:prstGeom prst="rect">
@@ -5450,7 +5450,7 @@
         </p:nvCxnSpPr>
         <p:spPr>
           <a:xfrm>
-            <a:off x="329839" y="3400953"/>
+            <a:off x="289834" y="3400953"/>
             <a:ext cx="2941591" cy="0"/>
           </a:xfrm>
           <a:prstGeom prst="line">
@@ -5485,7 +5485,7 @@
         </p:nvCxnSpPr>
         <p:spPr>
           <a:xfrm flipV="1">
-            <a:off x="372158" y="3526250"/>
+            <a:off x="341678" y="3526250"/>
             <a:ext cx="0" cy="5794482"/>
           </a:xfrm>
           <a:prstGeom prst="straightConnector1">
@@ -5521,7 +5521,7 @@
         </p:nvSpPr>
         <p:spPr>
           <a:xfrm flipH="1">
-            <a:off x="329840" y="3942541"/>
+            <a:off x="299360" y="3942541"/>
             <a:ext cx="84636" cy="84636"/>
           </a:xfrm>
           <a:prstGeom prst="ellipse">
@@ -5569,7 +5569,7 @@
         </p:nvSpPr>
         <p:spPr>
           <a:xfrm flipH="1">
-            <a:off x="329840" y="5981367"/>
+            <a:off x="299360" y="5981367"/>
             <a:ext cx="84636" cy="84636"/>
           </a:xfrm>
           <a:prstGeom prst="ellipse">
@@ -5617,7 +5617,7 @@
         </p:nvSpPr>
         <p:spPr>
           <a:xfrm flipH="1">
-            <a:off x="329840" y="8054314"/>
+            <a:off x="299360" y="8054314"/>
             <a:ext cx="84636" cy="84636"/>
           </a:xfrm>
           <a:prstGeom prst="ellipse">
@@ -5665,7 +5665,7 @@
         </p:nvSpPr>
         <p:spPr>
           <a:xfrm>
-            <a:off x="3579476" y="6148809"/>
+            <a:off x="3548996" y="6145634"/>
             <a:ext cx="800219" cy="276999"/>
           </a:xfrm>
           <a:prstGeom prst="rect">
@@ -5701,7 +5701,7 @@
         </p:nvCxnSpPr>
         <p:spPr>
           <a:xfrm>
-            <a:off x="3660444" y="6412555"/>
+            <a:off x="3629964" y="6422080"/>
             <a:ext cx="2941591" cy="0"/>
           </a:xfrm>
           <a:prstGeom prst="line">
@@ -5736,7 +5736,7 @@
         </p:nvSpPr>
         <p:spPr>
           <a:xfrm>
-            <a:off x="3579476" y="1416694"/>
+            <a:off x="3548996" y="1397644"/>
             <a:ext cx="492443" cy="276999"/>
           </a:xfrm>
           <a:prstGeom prst="rect">
@@ -5772,7 +5772,7 @@
         </p:nvCxnSpPr>
         <p:spPr>
           <a:xfrm>
-            <a:off x="3660444" y="1680440"/>
+            <a:off x="3629964" y="1673324"/>
             <a:ext cx="2941591" cy="0"/>
           </a:xfrm>
           <a:prstGeom prst="line">
@@ -5807,7 +5807,7 @@
         </p:nvSpPr>
         <p:spPr>
           <a:xfrm>
-            <a:off x="3579476" y="7944133"/>
+            <a:off x="3548996" y="7940958"/>
             <a:ext cx="492443" cy="276999"/>
           </a:xfrm>
           <a:prstGeom prst="rect">
@@ -5843,7 +5843,7 @@
         </p:nvCxnSpPr>
         <p:spPr>
           <a:xfrm>
-            <a:off x="3660444" y="8207879"/>
+            <a:off x="3629964" y="8217404"/>
             <a:ext cx="2941591" cy="0"/>
           </a:xfrm>
           <a:prstGeom prst="line">
@@ -5878,7 +5878,7 @@
         </p:nvCxnSpPr>
         <p:spPr>
           <a:xfrm>
-            <a:off x="1083871" y="1812775"/>
+            <a:off x="1043865" y="1812775"/>
             <a:ext cx="0" cy="1052018"/>
           </a:xfrm>
           <a:prstGeom prst="line">
@@ -5913,7 +5913,7 @@
         </p:nvSpPr>
         <p:spPr>
           <a:xfrm flipH="1">
-            <a:off x="1041553" y="1962106"/>
+            <a:off x="1001547" y="1962106"/>
             <a:ext cx="84636" cy="84636"/>
           </a:xfrm>
           <a:prstGeom prst="ellipse">
@@ -5961,7 +5961,7 @@
         </p:nvSpPr>
         <p:spPr>
           <a:xfrm flipH="1">
-            <a:off x="1041553" y="2529927"/>
+            <a:off x="1001547" y="2529927"/>
             <a:ext cx="84636" cy="84636"/>
           </a:xfrm>
           <a:prstGeom prst="ellipse">
@@ -6009,7 +6009,7 @@
         </p:nvSpPr>
         <p:spPr>
           <a:xfrm>
-            <a:off x="244046" y="1895520"/>
+            <a:off x="204040" y="1895520"/>
             <a:ext cx="840295" cy="230832"/>
           </a:xfrm>
           <a:prstGeom prst="rect">
@@ -6044,7 +6044,7 @@
         </p:nvSpPr>
         <p:spPr>
           <a:xfrm>
-            <a:off x="255665" y="2464375"/>
+            <a:off x="215659" y="2464375"/>
             <a:ext cx="840295" cy="230832"/>
           </a:xfrm>
           <a:prstGeom prst="rect">
@@ -6079,7 +6079,7 @@
         </p:nvSpPr>
         <p:spPr>
           <a:xfrm>
-            <a:off x="2059204" y="9526055"/>
+            <a:off x="2028724" y="9526055"/>
             <a:ext cx="2728632" cy="215444"/>
           </a:xfrm>
           <a:prstGeom prst="rect">
@@ -6131,7 +6131,7 @@
         </p:nvSpPr>
         <p:spPr>
           <a:xfrm>
-            <a:off x="244526" y="829114"/>
+            <a:off x="204520" y="829114"/>
             <a:ext cx="992579" cy="230832"/>
           </a:xfrm>
           <a:prstGeom prst="rect">
@@ -6173,7 +6173,7 @@
         </p:nvGrpSpPr>
         <p:grpSpPr>
           <a:xfrm>
-            <a:off x="416608" y="3628536"/>
+            <a:off x="386128" y="3628536"/>
             <a:ext cx="2867930" cy="2004563"/>
             <a:chOff x="416608" y="3709272"/>
             <a:chExt cx="2867930" cy="2004563"/>
@@ -6836,7 +6836,7 @@
         </p:nvSpPr>
         <p:spPr>
           <a:xfrm>
-            <a:off x="414475" y="5692729"/>
+            <a:off x="383995" y="5692729"/>
             <a:ext cx="1029449" cy="271869"/>
           </a:xfrm>
           <a:prstGeom prst="rect">
@@ -6890,7 +6890,7 @@
         </p:nvSpPr>
         <p:spPr>
           <a:xfrm>
-            <a:off x="414475" y="5847368"/>
+            <a:off x="383995" y="5847368"/>
             <a:ext cx="1947969" cy="306174"/>
           </a:xfrm>
           <a:prstGeom prst="rect">
@@ -6951,7 +6951,7 @@
         </p:nvSpPr>
         <p:spPr>
           <a:xfrm>
-            <a:off x="515006" y="6194558"/>
+            <a:off x="484526" y="6194558"/>
             <a:ext cx="474086" cy="203200"/>
           </a:xfrm>
           <a:prstGeom prst="rect">
@@ -7011,7 +7011,7 @@
         </p:nvSpPr>
         <p:spPr>
           <a:xfrm>
-            <a:off x="414477" y="6425128"/>
+            <a:off x="383997" y="6425128"/>
             <a:ext cx="2870062" cy="1246495"/>
           </a:xfrm>
           <a:prstGeom prst="rect">
@@ -7315,7 +7315,7 @@
         </p:nvSpPr>
         <p:spPr>
           <a:xfrm>
-            <a:off x="1677271" y="6194558"/>
+            <a:off x="1646791" y="6194558"/>
             <a:ext cx="619690" cy="203200"/>
           </a:xfrm>
           <a:prstGeom prst="rect">
@@ -7375,7 +7375,7 @@
         </p:nvSpPr>
         <p:spPr>
           <a:xfrm>
-            <a:off x="2339553" y="6194558"/>
+            <a:off x="2309073" y="6194558"/>
             <a:ext cx="742024" cy="203200"/>
           </a:xfrm>
           <a:prstGeom prst="rect">
@@ -7435,7 +7435,7 @@
         </p:nvSpPr>
         <p:spPr>
           <a:xfrm>
-            <a:off x="1031685" y="6194558"/>
+            <a:off x="1001205" y="6194558"/>
             <a:ext cx="602993" cy="203200"/>
           </a:xfrm>
           <a:prstGeom prst="rect">
@@ -7495,7 +7495,7 @@
         </p:nvGrpSpPr>
         <p:grpSpPr>
           <a:xfrm>
-            <a:off x="418451" y="7739121"/>
+            <a:off x="387971" y="7739121"/>
             <a:ext cx="2866088" cy="1619842"/>
             <a:chOff x="418451" y="7819857"/>
             <a:chExt cx="2866088" cy="1619842"/>
@@ -8176,7 +8176,7 @@
         </p:nvSpPr>
         <p:spPr>
           <a:xfrm>
-            <a:off x="1480041" y="5758575"/>
+            <a:off x="1449561" y="5758575"/>
             <a:ext cx="641187" cy="140176"/>
           </a:xfrm>
           <a:prstGeom prst="roundRect">
@@ -8250,7 +8250,7 @@
         </p:nvSpPr>
         <p:spPr>
           <a:xfrm>
-            <a:off x="1484804" y="3694424"/>
+            <a:off x="1454324" y="3694424"/>
             <a:ext cx="641187" cy="140176"/>
           </a:xfrm>
           <a:prstGeom prst="roundRect">
